--- a/2019-12-31/ppt/动画.pptx
+++ b/2019-12-31/ppt/动画.pptx
@@ -13449,7 +13449,7 @@
         <p:spPr>
           <a:xfrm>
             <a:off x="10235471" y="1299074"/>
-            <a:ext cx="7925752" cy="11117852"/>
+            <a:ext cx="7925751" cy="11117852"/>
           </a:xfrm>
           <a:prstGeom prst="rect">
             <a:avLst/>
@@ -14526,8 +14526,9 @@
           <a:bodyPr lIns="50800" tIns="50800" rIns="50800" bIns="50800" anchor="ctr">
             <a:spAutoFit/>
           </a:bodyPr>
-          <a:lstStyle>
-            <a:lvl1pPr marL="595312" indent="-595312" algn="l">
+          <a:lstStyle/>
+          <a:p>
+            <a:pPr marL="595312" indent="-595312" algn="l">
               <a:lnSpc>
                 <a:spcPct val="120000"/>
               </a:lnSpc>
@@ -14538,8 +14539,13 @@
                   <a:srgbClr val="434343"/>
                 </a:solidFill>
               </a:defRPr>
-            </a:lvl1pPr>
-            <a:lvl2pPr marL="1230312" indent="-595312" algn="l">
+            </a:pPr>
+            <a:r>
+              <a:t>callback(time) 函数</a:t>
+            </a:r>
+          </a:p>
+          <a:p>
+            <a:pPr lvl="1" marL="1230312" indent="-595312" algn="l">
               <a:lnSpc>
                 <a:spcPct val="120000"/>
               </a:lnSpc>
@@ -14550,18 +14556,31 @@
                   <a:srgbClr val="434343"/>
                 </a:solidFill>
               </a:defRPr>
-            </a:lvl2pPr>
-          </a:lstStyle>
-          <a:p>
-            <a:pPr/>
-            <a:r>
-              <a:t>callback(time) 函数</a:t>
-            </a:r>
-          </a:p>
-          <a:p>
-            <a:pPr lvl="1"/>
-            <a:r>
-              <a:t>time (动画开始经过的毫秒数)</a:t>
+            </a:pPr>
+            <a:r>
+              <a:t>time (动画开始经过的毫秒数) (可以通过 performance</a:t>
+            </a:r>
+            <a:r>
+              <a:rPr>
+                <a:solidFill>
+                  <a:srgbClr val="999999"/>
+                </a:solidFill>
+              </a:rPr>
+              <a:t>.</a:t>
+            </a:r>
+            <a:r>
+              <a:t>now</a:t>
+            </a:r>
+            <a:r>
+              <a:rPr>
+                <a:solidFill>
+                  <a:srgbClr val="999999"/>
+                </a:solidFill>
+              </a:rPr>
+              <a:t>() </a:t>
+            </a:r>
+            <a:r>
+              <a:t>获取)</a:t>
             </a:r>
           </a:p>
         </p:txBody>
@@ -15559,7 +15578,7 @@
         </p:blipFill>
         <p:spPr>
           <a:xfrm rot="21574612">
-            <a:off x="17958667" y="11456682"/>
+            <a:off x="17958666" y="11456682"/>
             <a:ext cx="3621630" cy="1322183"/>
           </a:xfrm>
           <a:prstGeom prst="rect">
